--- a/Java 相關/Java 繼承與實作簡介.pptx
+++ b/Java 相關/Java 繼承與實作簡介.pptx
@@ -5,7 +5,7 @@
     <p:sldMasterId id="2147483672" r:id="rId1"/>
   </p:sldMasterIdLst>
   <p:notesMasterIdLst>
-    <p:notesMasterId r:id="rId9"/>
+    <p:notesMasterId r:id="rId10"/>
   </p:notesMasterIdLst>
   <p:sldIdLst>
     <p:sldId id="265" r:id="rId2"/>
@@ -14,7 +14,8 @@
     <p:sldId id="258" r:id="rId5"/>
     <p:sldId id="264" r:id="rId6"/>
     <p:sldId id="259" r:id="rId7"/>
-    <p:sldId id="266" r:id="rId8"/>
+    <p:sldId id="267" r:id="rId8"/>
+    <p:sldId id="266" r:id="rId9"/>
   </p:sldIdLst>
   <p:sldSz cx="12192000" cy="6858000"/>
   <p:notesSz cx="6858000" cy="9144000"/>
@@ -113,6 +114,11 @@
       </a:defRPr>
     </a:lvl9pPr>
   </p:defaultTextStyle>
+  <p:extLst>
+    <p:ext uri="{EFAFB233-063F-42B5-8137-9DF3F51BA10A}">
+      <p15:sldGuideLst xmlns:p15="http://schemas.microsoft.com/office/powerpoint/2012/main"/>
+    </p:ext>
+  </p:extLst>
 </p:presentation>
 </file>
 
@@ -198,7 +204,7 @@
           <a:p>
             <a:fld id="{AA838E8B-4C97-4B7F-866D-E74DAB80B58C}" type="datetimeFigureOut">
               <a:rPr lang="zh-TW" altLang="en-US" smtClean="0"/>
-              <a:t>2023/11/4</a:t>
+              <a:t>2023/11/6</a:t>
             </a:fld>
             <a:endParaRPr lang="zh-TW" altLang="en-US"/>
           </a:p>
@@ -1355,7 +1361,7 @@
           <a:p>
             <a:fld id="{84109122-A27D-464C-A546-6AE6742C4A1F}" type="datetimeFigureOut">
               <a:rPr lang="zh-TW" altLang="en-US" smtClean="0"/>
-              <a:t>2023/11/3</a:t>
+              <a:t>2023/11/6</a:t>
             </a:fld>
             <a:endParaRPr lang="zh-TW" altLang="en-US"/>
           </a:p>
@@ -1606,7 +1612,7 @@
           <a:p>
             <a:fld id="{84109122-A27D-464C-A546-6AE6742C4A1F}" type="datetimeFigureOut">
               <a:rPr lang="zh-TW" altLang="en-US" smtClean="0"/>
-              <a:t>2023/11/3</a:t>
+              <a:t>2023/11/6</a:t>
             </a:fld>
             <a:endParaRPr lang="zh-TW" altLang="en-US"/>
           </a:p>
@@ -1920,7 +1926,7 @@
           <a:p>
             <a:fld id="{84109122-A27D-464C-A546-6AE6742C4A1F}" type="datetimeFigureOut">
               <a:rPr lang="zh-TW" altLang="en-US" smtClean="0"/>
-              <a:t>2023/11/3</a:t>
+              <a:t>2023/11/6</a:t>
             </a:fld>
             <a:endParaRPr lang="zh-TW" altLang="en-US"/>
           </a:p>
@@ -2261,7 +2267,7 @@
           <a:p>
             <a:fld id="{84109122-A27D-464C-A546-6AE6742C4A1F}" type="datetimeFigureOut">
               <a:rPr lang="zh-TW" altLang="en-US" smtClean="0"/>
-              <a:t>2023/11/3</a:t>
+              <a:t>2023/11/6</a:t>
             </a:fld>
             <a:endParaRPr lang="zh-TW" altLang="en-US"/>
           </a:p>
@@ -2575,7 +2581,7 @@
           <a:p>
             <a:fld id="{84109122-A27D-464C-A546-6AE6742C4A1F}" type="datetimeFigureOut">
               <a:rPr lang="zh-TW" altLang="en-US" smtClean="0"/>
-              <a:t>2023/11/3</a:t>
+              <a:t>2023/11/6</a:t>
             </a:fld>
             <a:endParaRPr lang="zh-TW" altLang="en-US"/>
           </a:p>
@@ -2968,7 +2974,7 @@
           <a:p>
             <a:fld id="{84109122-A27D-464C-A546-6AE6742C4A1F}" type="datetimeFigureOut">
               <a:rPr lang="zh-TW" altLang="en-US" smtClean="0"/>
-              <a:t>2023/11/3</a:t>
+              <a:t>2023/11/6</a:t>
             </a:fld>
             <a:endParaRPr lang="zh-TW" altLang="en-US"/>
           </a:p>
@@ -3138,7 +3144,7 @@
           <a:p>
             <a:fld id="{84109122-A27D-464C-A546-6AE6742C4A1F}" type="datetimeFigureOut">
               <a:rPr lang="zh-TW" altLang="en-US" smtClean="0"/>
-              <a:t>2023/11/3</a:t>
+              <a:t>2023/11/6</a:t>
             </a:fld>
             <a:endParaRPr lang="zh-TW" altLang="en-US"/>
           </a:p>
@@ -3318,7 +3324,7 @@
           <a:p>
             <a:fld id="{84109122-A27D-464C-A546-6AE6742C4A1F}" type="datetimeFigureOut">
               <a:rPr lang="zh-TW" altLang="en-US" smtClean="0"/>
-              <a:t>2023/11/3</a:t>
+              <a:t>2023/11/6</a:t>
             </a:fld>
             <a:endParaRPr lang="zh-TW" altLang="en-US"/>
           </a:p>
@@ -3494,7 +3500,7 @@
           <a:p>
             <a:fld id="{84109122-A27D-464C-A546-6AE6742C4A1F}" type="datetimeFigureOut">
               <a:rPr lang="zh-TW" altLang="en-US" smtClean="0"/>
-              <a:t>2023/11/3</a:t>
+              <a:t>2023/11/6</a:t>
             </a:fld>
             <a:endParaRPr lang="zh-TW" altLang="en-US"/>
           </a:p>
@@ -3741,7 +3747,7 @@
           <a:p>
             <a:fld id="{84109122-A27D-464C-A546-6AE6742C4A1F}" type="datetimeFigureOut">
               <a:rPr lang="zh-TW" altLang="en-US" smtClean="0"/>
-              <a:t>2023/11/3</a:t>
+              <a:t>2023/11/6</a:t>
             </a:fld>
             <a:endParaRPr lang="zh-TW" altLang="en-US"/>
           </a:p>
@@ -3973,7 +3979,7 @@
           <a:p>
             <a:fld id="{84109122-A27D-464C-A546-6AE6742C4A1F}" type="datetimeFigureOut">
               <a:rPr lang="zh-TW" altLang="en-US" smtClean="0"/>
-              <a:t>2023/11/3</a:t>
+              <a:t>2023/11/6</a:t>
             </a:fld>
             <a:endParaRPr lang="zh-TW" altLang="en-US"/>
           </a:p>
@@ -4347,7 +4353,7 @@
           <a:p>
             <a:fld id="{84109122-A27D-464C-A546-6AE6742C4A1F}" type="datetimeFigureOut">
               <a:rPr lang="zh-TW" altLang="en-US" smtClean="0"/>
-              <a:t>2023/11/3</a:t>
+              <a:t>2023/11/6</a:t>
             </a:fld>
             <a:endParaRPr lang="zh-TW" altLang="en-US"/>
           </a:p>
@@ -4470,7 +4476,7 @@
           <a:p>
             <a:fld id="{84109122-A27D-464C-A546-6AE6742C4A1F}" type="datetimeFigureOut">
               <a:rPr lang="zh-TW" altLang="en-US" smtClean="0"/>
-              <a:t>2023/11/3</a:t>
+              <a:t>2023/11/6</a:t>
             </a:fld>
             <a:endParaRPr lang="zh-TW" altLang="en-US"/>
           </a:p>
@@ -4565,7 +4571,7 @@
           <a:p>
             <a:fld id="{84109122-A27D-464C-A546-6AE6742C4A1F}" type="datetimeFigureOut">
               <a:rPr lang="zh-TW" altLang="en-US" smtClean="0"/>
-              <a:t>2023/11/3</a:t>
+              <a:t>2023/11/6</a:t>
             </a:fld>
             <a:endParaRPr lang="zh-TW" altLang="en-US"/>
           </a:p>
@@ -4820,7 +4826,7 @@
           <a:p>
             <a:fld id="{84109122-A27D-464C-A546-6AE6742C4A1F}" type="datetimeFigureOut">
               <a:rPr lang="zh-TW" altLang="en-US" smtClean="0"/>
-              <a:t>2023/11/3</a:t>
+              <a:t>2023/11/6</a:t>
             </a:fld>
             <a:endParaRPr lang="zh-TW" altLang="en-US"/>
           </a:p>
@@ -5083,7 +5089,7 @@
           <a:p>
             <a:fld id="{84109122-A27D-464C-A546-6AE6742C4A1F}" type="datetimeFigureOut">
               <a:rPr lang="zh-TW" altLang="en-US" smtClean="0"/>
-              <a:t>2023/11/3</a:t>
+              <a:t>2023/11/6</a:t>
             </a:fld>
             <a:endParaRPr lang="zh-TW" altLang="en-US"/>
           </a:p>
@@ -5826,7 +5832,7 @@
           <a:p>
             <a:fld id="{84109122-A27D-464C-A546-6AE6742C4A1F}" type="datetimeFigureOut">
               <a:rPr lang="zh-TW" altLang="en-US" smtClean="0"/>
-              <a:t>2023/11/3</a:t>
+              <a:t>2023/11/6</a:t>
             </a:fld>
             <a:endParaRPr lang="zh-TW" altLang="en-US"/>
           </a:p>
@@ -14951,6 +14957,696 @@
 </file>
 
 <file path=ppt/slides/slide7.xml><?xml version="1.0" encoding="utf-8"?>
+<p:sld xmlns:a="http://schemas.openxmlformats.org/drawingml/2006/main" xmlns:r="http://schemas.openxmlformats.org/officeDocument/2006/relationships" xmlns:p="http://schemas.openxmlformats.org/presentationml/2006/main">
+  <p:cSld>
+    <p:spTree>
+      <p:nvGrpSpPr>
+        <p:cNvPr id="1" name=""/>
+        <p:cNvGrpSpPr/>
+        <p:nvPr/>
+      </p:nvGrpSpPr>
+      <p:grpSpPr>
+        <a:xfrm>
+          <a:off x="0" y="0"/>
+          <a:ext cx="0" cy="0"/>
+          <a:chOff x="0" y="0"/>
+          <a:chExt cx="0" cy="0"/>
+        </a:xfrm>
+      </p:grpSpPr>
+      <p:sp>
+        <p:nvSpPr>
+          <p:cNvPr id="2" name="標題 1">
+            <a:extLst>
+              <a:ext uri="{FF2B5EF4-FFF2-40B4-BE49-F238E27FC236}">
+                <a16:creationId xmlns:a16="http://schemas.microsoft.com/office/drawing/2014/main" id="{98D0C080-CF00-CA58-04B7-11D2178C7FAF}"/>
+              </a:ext>
+            </a:extLst>
+          </p:cNvPr>
+          <p:cNvSpPr>
+            <a:spLocks noGrp="1"/>
+          </p:cNvSpPr>
+          <p:nvPr>
+            <p:ph type="title"/>
+          </p:nvPr>
+        </p:nvSpPr>
+        <p:spPr/>
+        <p:txBody>
+          <a:bodyPr/>
+          <a:lstStyle/>
+          <a:p>
+            <a:r>
+              <a:rPr lang="zh-TW" altLang="en-US" dirty="0"/>
+              <a:t>多型應用</a:t>
+            </a:r>
+          </a:p>
+        </p:txBody>
+      </p:sp>
+      <p:sp>
+        <p:nvSpPr>
+          <p:cNvPr id="3" name="內容版面配置區 2">
+            <a:extLst>
+              <a:ext uri="{FF2B5EF4-FFF2-40B4-BE49-F238E27FC236}">
+                <a16:creationId xmlns:a16="http://schemas.microsoft.com/office/drawing/2014/main" id="{858C1F45-10AE-6AEA-2F71-2ABD7EEF3F81}"/>
+              </a:ext>
+            </a:extLst>
+          </p:cNvPr>
+          <p:cNvSpPr>
+            <a:spLocks noGrp="1"/>
+          </p:cNvSpPr>
+          <p:nvPr>
+            <p:ph idx="1"/>
+          </p:nvPr>
+        </p:nvSpPr>
+        <p:spPr>
+          <a:xfrm>
+            <a:off x="548640" y="1566229"/>
+            <a:ext cx="8596668" cy="3880773"/>
+          </a:xfrm>
+        </p:spPr>
+        <p:txBody>
+          <a:bodyPr/>
+          <a:lstStyle/>
+          <a:p>
+            <a:r>
+              <a:rPr lang="zh-TW" altLang="en-US" dirty="0"/>
+              <a:t>異質集合</a:t>
+            </a:r>
+            <a:endParaRPr lang="en-US" altLang="zh-TW" dirty="0"/>
+          </a:p>
+          <a:p>
+            <a:pPr marL="0" indent="0">
+              <a:buNone/>
+            </a:pPr>
+            <a:endParaRPr lang="en-US" altLang="zh-TW" dirty="0"/>
+          </a:p>
+          <a:p>
+            <a:pPr marL="0" indent="0">
+              <a:buNone/>
+            </a:pPr>
+            <a:endParaRPr lang="en-US" altLang="zh-TW" dirty="0"/>
+          </a:p>
+          <a:p>
+            <a:pPr marL="0" indent="0">
+              <a:buNone/>
+            </a:pPr>
+            <a:endParaRPr lang="en-US" altLang="zh-TW" dirty="0"/>
+          </a:p>
+          <a:p>
+            <a:r>
+              <a:rPr lang="zh-TW" altLang="en-US" dirty="0"/>
+              <a:t>多型參數</a:t>
+            </a:r>
+          </a:p>
+        </p:txBody>
+      </p:sp>
+      <p:grpSp>
+        <p:nvGrpSpPr>
+          <p:cNvPr id="44" name="群組 43">
+            <a:extLst>
+              <a:ext uri="{FF2B5EF4-FFF2-40B4-BE49-F238E27FC236}">
+                <a16:creationId xmlns:a16="http://schemas.microsoft.com/office/drawing/2014/main" id="{01536FBB-DCD2-AF69-C085-7B66458832E0}"/>
+              </a:ext>
+            </a:extLst>
+          </p:cNvPr>
+          <p:cNvGrpSpPr/>
+          <p:nvPr/>
+        </p:nvGrpSpPr>
+        <p:grpSpPr>
+          <a:xfrm>
+            <a:off x="979086" y="3642519"/>
+            <a:ext cx="6791391" cy="3202960"/>
+            <a:chOff x="677334" y="2750227"/>
+            <a:chExt cx="6791391" cy="3202960"/>
+          </a:xfrm>
+        </p:grpSpPr>
+        <p:pic>
+          <p:nvPicPr>
+            <p:cNvPr id="5" name="圖片 4">
+              <a:extLst>
+                <a:ext uri="{FF2B5EF4-FFF2-40B4-BE49-F238E27FC236}">
+                  <a16:creationId xmlns:a16="http://schemas.microsoft.com/office/drawing/2014/main" id="{A07DFB35-05AB-E412-83F7-0329006BF894}"/>
+                </a:ext>
+              </a:extLst>
+            </p:cNvPr>
+            <p:cNvPicPr>
+              <a:picLocks noChangeAspect="1"/>
+            </p:cNvPicPr>
+            <p:nvPr/>
+          </p:nvPicPr>
+          <p:blipFill rotWithShape="1">
+            <a:blip r:embed="rId2"/>
+            <a:srcRect t="18785" r="53880"/>
+            <a:stretch/>
+          </p:blipFill>
+          <p:spPr>
+            <a:xfrm>
+              <a:off x="677334" y="2750227"/>
+              <a:ext cx="2624328" cy="3202960"/>
+            </a:xfrm>
+            <a:prstGeom prst="rect">
+              <a:avLst/>
+            </a:prstGeom>
+          </p:spPr>
+        </p:pic>
+        <p:pic>
+          <p:nvPicPr>
+            <p:cNvPr id="7" name="圖片 6">
+              <a:extLst>
+                <a:ext uri="{FF2B5EF4-FFF2-40B4-BE49-F238E27FC236}">
+                  <a16:creationId xmlns:a16="http://schemas.microsoft.com/office/drawing/2014/main" id="{BBB6DB4E-776C-0C22-BAD6-D68A3B13318B}"/>
+                </a:ext>
+              </a:extLst>
+            </p:cNvPr>
+            <p:cNvPicPr>
+              <a:picLocks noChangeAspect="1"/>
+            </p:cNvPicPr>
+            <p:nvPr/>
+          </p:nvPicPr>
+          <p:blipFill>
+            <a:blip r:embed="rId3"/>
+            <a:stretch>
+              <a:fillRect/>
+            </a:stretch>
+          </p:blipFill>
+          <p:spPr>
+            <a:xfrm>
+              <a:off x="3833480" y="2970987"/>
+              <a:ext cx="3635245" cy="1187365"/>
+            </a:xfrm>
+            <a:prstGeom prst="rect">
+              <a:avLst/>
+            </a:prstGeom>
+          </p:spPr>
+        </p:pic>
+        <p:sp>
+          <p:nvSpPr>
+            <p:cNvPr id="8" name="矩形 7">
+              <a:extLst>
+                <a:ext uri="{FF2B5EF4-FFF2-40B4-BE49-F238E27FC236}">
+                  <a16:creationId xmlns:a16="http://schemas.microsoft.com/office/drawing/2014/main" id="{622EEF6D-56B8-DCD1-4B37-B73C84BAE59F}"/>
+                </a:ext>
+              </a:extLst>
+            </p:cNvPr>
+            <p:cNvSpPr/>
+            <p:nvPr/>
+          </p:nvSpPr>
+          <p:spPr>
+            <a:xfrm>
+              <a:off x="1024806" y="3408595"/>
+              <a:ext cx="1956816" cy="173736"/>
+            </a:xfrm>
+            <a:prstGeom prst="rect">
+              <a:avLst/>
+            </a:prstGeom>
+            <a:noFill/>
+            <a:ln>
+              <a:solidFill>
+                <a:srgbClr val="FF0000"/>
+              </a:solidFill>
+            </a:ln>
+          </p:spPr>
+          <p:style>
+            <a:lnRef idx="2">
+              <a:schemeClr val="accent1">
+                <a:shade val="15000"/>
+              </a:schemeClr>
+            </a:lnRef>
+            <a:fillRef idx="1">
+              <a:schemeClr val="accent1"/>
+            </a:fillRef>
+            <a:effectRef idx="0">
+              <a:schemeClr val="accent1"/>
+            </a:effectRef>
+            <a:fontRef idx="minor">
+              <a:schemeClr val="lt1"/>
+            </a:fontRef>
+          </p:style>
+          <p:txBody>
+            <a:bodyPr rtlCol="0" anchor="ctr"/>
+            <a:lstStyle/>
+            <a:p>
+              <a:pPr algn="ctr"/>
+              <a:endParaRPr lang="zh-TW" altLang="en-US"/>
+            </a:p>
+          </p:txBody>
+        </p:sp>
+        <p:sp>
+          <p:nvSpPr>
+            <p:cNvPr id="9" name="矩形 8">
+              <a:extLst>
+                <a:ext uri="{FF2B5EF4-FFF2-40B4-BE49-F238E27FC236}">
+                  <a16:creationId xmlns:a16="http://schemas.microsoft.com/office/drawing/2014/main" id="{7ECEA07A-5566-B81F-012B-D00CE6368C73}"/>
+                </a:ext>
+              </a:extLst>
+            </p:cNvPr>
+            <p:cNvSpPr/>
+            <p:nvPr/>
+          </p:nvSpPr>
+          <p:spPr>
+            <a:xfrm>
+              <a:off x="1024806" y="3941499"/>
+              <a:ext cx="1956816" cy="173736"/>
+            </a:xfrm>
+            <a:prstGeom prst="rect">
+              <a:avLst/>
+            </a:prstGeom>
+            <a:noFill/>
+            <a:ln>
+              <a:solidFill>
+                <a:srgbClr val="FF0000"/>
+              </a:solidFill>
+            </a:ln>
+          </p:spPr>
+          <p:style>
+            <a:lnRef idx="2">
+              <a:schemeClr val="accent1">
+                <a:shade val="15000"/>
+              </a:schemeClr>
+            </a:lnRef>
+            <a:fillRef idx="1">
+              <a:schemeClr val="accent1"/>
+            </a:fillRef>
+            <a:effectRef idx="0">
+              <a:schemeClr val="accent1"/>
+            </a:effectRef>
+            <a:fontRef idx="minor">
+              <a:schemeClr val="lt1"/>
+            </a:fontRef>
+          </p:style>
+          <p:txBody>
+            <a:bodyPr rtlCol="0" anchor="ctr"/>
+            <a:lstStyle/>
+            <a:p>
+              <a:pPr algn="ctr"/>
+              <a:r>
+                <a:rPr lang="zh-TW" altLang="en-US" dirty="0"/>
+                <a:t>                                                     </a:t>
+              </a:r>
+            </a:p>
+          </p:txBody>
+        </p:sp>
+        <p:sp>
+          <p:nvSpPr>
+            <p:cNvPr id="10" name="矩形 9">
+              <a:extLst>
+                <a:ext uri="{FF2B5EF4-FFF2-40B4-BE49-F238E27FC236}">
+                  <a16:creationId xmlns:a16="http://schemas.microsoft.com/office/drawing/2014/main" id="{3FAA9066-2160-2E1E-492B-C6A33D07601F}"/>
+                </a:ext>
+              </a:extLst>
+            </p:cNvPr>
+            <p:cNvSpPr/>
+            <p:nvPr/>
+          </p:nvSpPr>
+          <p:spPr>
+            <a:xfrm>
+              <a:off x="1024806" y="4474403"/>
+              <a:ext cx="1956816" cy="173736"/>
+            </a:xfrm>
+            <a:prstGeom prst="rect">
+              <a:avLst/>
+            </a:prstGeom>
+            <a:noFill/>
+            <a:ln>
+              <a:solidFill>
+                <a:srgbClr val="FF0000"/>
+              </a:solidFill>
+            </a:ln>
+          </p:spPr>
+          <p:style>
+            <a:lnRef idx="2">
+              <a:schemeClr val="accent1">
+                <a:shade val="15000"/>
+              </a:schemeClr>
+            </a:lnRef>
+            <a:fillRef idx="1">
+              <a:schemeClr val="accent1"/>
+            </a:fillRef>
+            <a:effectRef idx="0">
+              <a:schemeClr val="accent1"/>
+            </a:effectRef>
+            <a:fontRef idx="minor">
+              <a:schemeClr val="lt1"/>
+            </a:fontRef>
+          </p:style>
+          <p:txBody>
+            <a:bodyPr rtlCol="0" anchor="ctr"/>
+            <a:lstStyle/>
+            <a:p>
+              <a:pPr algn="ctr"/>
+              <a:r>
+                <a:rPr lang="zh-TW" altLang="en-US" dirty="0"/>
+                <a:t>                                                     </a:t>
+              </a:r>
+            </a:p>
+          </p:txBody>
+        </p:sp>
+        <p:sp>
+          <p:nvSpPr>
+            <p:cNvPr id="11" name="矩形 10">
+              <a:extLst>
+                <a:ext uri="{FF2B5EF4-FFF2-40B4-BE49-F238E27FC236}">
+                  <a16:creationId xmlns:a16="http://schemas.microsoft.com/office/drawing/2014/main" id="{21B1E77A-49DC-396C-AE36-E542E60BB227}"/>
+                </a:ext>
+              </a:extLst>
+            </p:cNvPr>
+            <p:cNvSpPr/>
+            <p:nvPr/>
+          </p:nvSpPr>
+          <p:spPr>
+            <a:xfrm>
+              <a:off x="1024806" y="5007307"/>
+              <a:ext cx="1956816" cy="173736"/>
+            </a:xfrm>
+            <a:prstGeom prst="rect">
+              <a:avLst/>
+            </a:prstGeom>
+            <a:noFill/>
+            <a:ln>
+              <a:solidFill>
+                <a:srgbClr val="FF0000"/>
+              </a:solidFill>
+            </a:ln>
+          </p:spPr>
+          <p:style>
+            <a:lnRef idx="2">
+              <a:schemeClr val="accent1">
+                <a:shade val="15000"/>
+              </a:schemeClr>
+            </a:lnRef>
+            <a:fillRef idx="1">
+              <a:schemeClr val="accent1"/>
+            </a:fillRef>
+            <a:effectRef idx="0">
+              <a:schemeClr val="accent1"/>
+            </a:effectRef>
+            <a:fontRef idx="minor">
+              <a:schemeClr val="lt1"/>
+            </a:fontRef>
+          </p:style>
+          <p:txBody>
+            <a:bodyPr rtlCol="0" anchor="ctr"/>
+            <a:lstStyle/>
+            <a:p>
+              <a:pPr algn="ctr"/>
+              <a:r>
+                <a:rPr lang="zh-TW" altLang="en-US" dirty="0"/>
+                <a:t>                                                     </a:t>
+              </a:r>
+            </a:p>
+          </p:txBody>
+        </p:sp>
+        <p:sp>
+          <p:nvSpPr>
+            <p:cNvPr id="12" name="矩形 11">
+              <a:extLst>
+                <a:ext uri="{FF2B5EF4-FFF2-40B4-BE49-F238E27FC236}">
+                  <a16:creationId xmlns:a16="http://schemas.microsoft.com/office/drawing/2014/main" id="{2F427618-DF0D-381B-A20E-0D5119733731}"/>
+                </a:ext>
+              </a:extLst>
+            </p:cNvPr>
+            <p:cNvSpPr/>
+            <p:nvPr/>
+          </p:nvSpPr>
+          <p:spPr>
+            <a:xfrm>
+              <a:off x="4154679" y="3406720"/>
+              <a:ext cx="2319951" cy="175611"/>
+            </a:xfrm>
+            <a:prstGeom prst="rect">
+              <a:avLst/>
+            </a:prstGeom>
+            <a:noFill/>
+            <a:ln>
+              <a:solidFill>
+                <a:srgbClr val="FF0000"/>
+              </a:solidFill>
+            </a:ln>
+          </p:spPr>
+          <p:style>
+            <a:lnRef idx="2">
+              <a:schemeClr val="accent1">
+                <a:shade val="15000"/>
+              </a:schemeClr>
+            </a:lnRef>
+            <a:fillRef idx="1">
+              <a:schemeClr val="accent1"/>
+            </a:fillRef>
+            <a:effectRef idx="0">
+              <a:schemeClr val="accent1"/>
+            </a:effectRef>
+            <a:fontRef idx="minor">
+              <a:schemeClr val="lt1"/>
+            </a:fontRef>
+          </p:style>
+          <p:txBody>
+            <a:bodyPr rtlCol="0" anchor="ctr"/>
+            <a:lstStyle/>
+            <a:p>
+              <a:pPr algn="ctr"/>
+              <a:r>
+                <a:rPr lang="zh-TW" altLang="en-US" dirty="0"/>
+                <a:t>                                                     </a:t>
+              </a:r>
+            </a:p>
+          </p:txBody>
+        </p:sp>
+        <p:cxnSp>
+          <p:nvCxnSpPr>
+            <p:cNvPr id="14" name="接點: 肘形 13">
+              <a:extLst>
+                <a:ext uri="{FF2B5EF4-FFF2-40B4-BE49-F238E27FC236}">
+                  <a16:creationId xmlns:a16="http://schemas.microsoft.com/office/drawing/2014/main" id="{68E91457-56D1-8FA5-240B-38F72C19B633}"/>
+                </a:ext>
+              </a:extLst>
+            </p:cNvPr>
+            <p:cNvCxnSpPr>
+              <a:cxnSpLocks/>
+              <a:stCxn id="8" idx="3"/>
+              <a:endCxn id="12" idx="1"/>
+            </p:cNvCxnSpPr>
+            <p:nvPr/>
+          </p:nvCxnSpPr>
+          <p:spPr>
+            <a:xfrm flipV="1">
+              <a:off x="2981622" y="3494526"/>
+              <a:ext cx="1173057" cy="937"/>
+            </a:xfrm>
+            <a:prstGeom prst="bentConnector3">
+              <a:avLst>
+                <a:gd name="adj1" fmla="val 50000"/>
+              </a:avLst>
+            </a:prstGeom>
+            <a:ln w="19050">
+              <a:solidFill>
+                <a:srgbClr val="FF0000"/>
+              </a:solidFill>
+              <a:tailEnd type="triangle"/>
+            </a:ln>
+          </p:spPr>
+          <p:style>
+            <a:lnRef idx="1">
+              <a:schemeClr val="accent1"/>
+            </a:lnRef>
+            <a:fillRef idx="0">
+              <a:schemeClr val="accent1"/>
+            </a:fillRef>
+            <a:effectRef idx="0">
+              <a:schemeClr val="accent1"/>
+            </a:effectRef>
+            <a:fontRef idx="minor">
+              <a:schemeClr val="tx1"/>
+            </a:fontRef>
+          </p:style>
+        </p:cxnSp>
+        <p:cxnSp>
+          <p:nvCxnSpPr>
+            <p:cNvPr id="16" name="接點: 肘形 15">
+              <a:extLst>
+                <a:ext uri="{FF2B5EF4-FFF2-40B4-BE49-F238E27FC236}">
+                  <a16:creationId xmlns:a16="http://schemas.microsoft.com/office/drawing/2014/main" id="{0EF2DC6E-8381-3D06-4FF5-782966F4EEFE}"/>
+                </a:ext>
+              </a:extLst>
+            </p:cNvPr>
+            <p:cNvCxnSpPr>
+              <a:cxnSpLocks/>
+              <a:stCxn id="9" idx="3"/>
+              <a:endCxn id="12" idx="1"/>
+            </p:cNvCxnSpPr>
+            <p:nvPr/>
+          </p:nvCxnSpPr>
+          <p:spPr>
+            <a:xfrm flipV="1">
+              <a:off x="2981622" y="3494526"/>
+              <a:ext cx="1173057" cy="533841"/>
+            </a:xfrm>
+            <a:prstGeom prst="bentConnector3">
+              <a:avLst>
+                <a:gd name="adj1" fmla="val 50000"/>
+              </a:avLst>
+            </a:prstGeom>
+            <a:ln w="19050">
+              <a:solidFill>
+                <a:srgbClr val="FF0000"/>
+              </a:solidFill>
+              <a:tailEnd type="triangle"/>
+            </a:ln>
+          </p:spPr>
+          <p:style>
+            <a:lnRef idx="1">
+              <a:schemeClr val="accent1"/>
+            </a:lnRef>
+            <a:fillRef idx="0">
+              <a:schemeClr val="accent1"/>
+            </a:fillRef>
+            <a:effectRef idx="0">
+              <a:schemeClr val="accent1"/>
+            </a:effectRef>
+            <a:fontRef idx="minor">
+              <a:schemeClr val="tx1"/>
+            </a:fontRef>
+          </p:style>
+        </p:cxnSp>
+        <p:cxnSp>
+          <p:nvCxnSpPr>
+            <p:cNvPr id="19" name="接點: 肘形 18">
+              <a:extLst>
+                <a:ext uri="{FF2B5EF4-FFF2-40B4-BE49-F238E27FC236}">
+                  <a16:creationId xmlns:a16="http://schemas.microsoft.com/office/drawing/2014/main" id="{BD7BB7AD-CA69-252A-F0B2-322016AA7937}"/>
+                </a:ext>
+              </a:extLst>
+            </p:cNvPr>
+            <p:cNvCxnSpPr>
+              <a:cxnSpLocks/>
+              <a:stCxn id="10" idx="3"/>
+              <a:endCxn id="12" idx="1"/>
+            </p:cNvCxnSpPr>
+            <p:nvPr/>
+          </p:nvCxnSpPr>
+          <p:spPr>
+            <a:xfrm flipV="1">
+              <a:off x="2981622" y="3494526"/>
+              <a:ext cx="1173057" cy="1066745"/>
+            </a:xfrm>
+            <a:prstGeom prst="bentConnector3">
+              <a:avLst>
+                <a:gd name="adj1" fmla="val 50000"/>
+              </a:avLst>
+            </a:prstGeom>
+            <a:ln w="19050">
+              <a:solidFill>
+                <a:srgbClr val="FF0000"/>
+              </a:solidFill>
+              <a:tailEnd type="triangle"/>
+            </a:ln>
+          </p:spPr>
+          <p:style>
+            <a:lnRef idx="1">
+              <a:schemeClr val="accent1"/>
+            </a:lnRef>
+            <a:fillRef idx="0">
+              <a:schemeClr val="accent1"/>
+            </a:fillRef>
+            <a:effectRef idx="0">
+              <a:schemeClr val="accent1"/>
+            </a:effectRef>
+            <a:fontRef idx="minor">
+              <a:schemeClr val="tx1"/>
+            </a:fontRef>
+          </p:style>
+        </p:cxnSp>
+        <p:cxnSp>
+          <p:nvCxnSpPr>
+            <p:cNvPr id="26" name="接點: 肘形 25">
+              <a:extLst>
+                <a:ext uri="{FF2B5EF4-FFF2-40B4-BE49-F238E27FC236}">
+                  <a16:creationId xmlns:a16="http://schemas.microsoft.com/office/drawing/2014/main" id="{E8D89B6C-F410-8566-2B56-7832813E427B}"/>
+                </a:ext>
+              </a:extLst>
+            </p:cNvPr>
+            <p:cNvCxnSpPr>
+              <a:cxnSpLocks/>
+              <a:stCxn id="11" idx="3"/>
+              <a:endCxn id="12" idx="1"/>
+            </p:cNvCxnSpPr>
+            <p:nvPr/>
+          </p:nvCxnSpPr>
+          <p:spPr>
+            <a:xfrm flipV="1">
+              <a:off x="2981622" y="3494526"/>
+              <a:ext cx="1173057" cy="1599649"/>
+            </a:xfrm>
+            <a:prstGeom prst="bentConnector3">
+              <a:avLst>
+                <a:gd name="adj1" fmla="val 50000"/>
+              </a:avLst>
+            </a:prstGeom>
+            <a:ln w="19050">
+              <a:solidFill>
+                <a:srgbClr val="FF0000"/>
+              </a:solidFill>
+              <a:tailEnd type="triangle"/>
+            </a:ln>
+          </p:spPr>
+          <p:style>
+            <a:lnRef idx="1">
+              <a:schemeClr val="accent1"/>
+            </a:lnRef>
+            <a:fillRef idx="0">
+              <a:schemeClr val="accent1"/>
+            </a:fillRef>
+            <a:effectRef idx="0">
+              <a:schemeClr val="accent1"/>
+            </a:effectRef>
+            <a:fontRef idx="minor">
+              <a:schemeClr val="tx1"/>
+            </a:fontRef>
+          </p:style>
+        </p:cxnSp>
+      </p:grpSp>
+      <p:pic>
+        <p:nvPicPr>
+          <p:cNvPr id="46" name="圖片 45">
+            <a:extLst>
+              <a:ext uri="{FF2B5EF4-FFF2-40B4-BE49-F238E27FC236}">
+                <a16:creationId xmlns:a16="http://schemas.microsoft.com/office/drawing/2014/main" id="{435A491C-3109-FEBA-717A-BF91ABDEF9A8}"/>
+              </a:ext>
+            </a:extLst>
+          </p:cNvPr>
+          <p:cNvPicPr>
+            <a:picLocks noChangeAspect="1"/>
+          </p:cNvPicPr>
+          <p:nvPr/>
+        </p:nvPicPr>
+        <p:blipFill>
+          <a:blip r:embed="rId4"/>
+          <a:stretch>
+            <a:fillRect/>
+          </a:stretch>
+        </p:blipFill>
+        <p:spPr>
+          <a:xfrm>
+            <a:off x="979086" y="1930400"/>
+            <a:ext cx="2624328" cy="1132251"/>
+          </a:xfrm>
+          <a:prstGeom prst="rect">
+            <a:avLst/>
+          </a:prstGeom>
+        </p:spPr>
+      </p:pic>
+    </p:spTree>
+    <p:extLst>
+      <p:ext uri="{BB962C8B-B14F-4D97-AF65-F5344CB8AC3E}">
+        <p14:creationId xmlns:p14="http://schemas.microsoft.com/office/powerpoint/2010/main" val="3361712039"/>
+      </p:ext>
+    </p:extLst>
+  </p:cSld>
+  <p:clrMapOvr>
+    <a:masterClrMapping/>
+  </p:clrMapOvr>
+</p:sld>
+</file>
+
+<file path=ppt/slides/slide8.xml><?xml version="1.0" encoding="utf-8"?>
 <p:sld xmlns:a="http://schemas.openxmlformats.org/drawingml/2006/main" xmlns:r="http://schemas.openxmlformats.org/officeDocument/2006/relationships" xmlns:p="http://schemas.openxmlformats.org/presentationml/2006/main">
   <p:cSld>
     <p:spTree>

--- a/Java 相關/Java 繼承與實作簡介.pptx
+++ b/Java 相關/Java 繼承與實作簡介.pptx
@@ -204,7 +204,7 @@
           <a:p>
             <a:fld id="{AA838E8B-4C97-4B7F-866D-E74DAB80B58C}" type="datetimeFigureOut">
               <a:rPr lang="zh-TW" altLang="en-US" smtClean="0"/>
-              <a:t>2023/11/6</a:t>
+              <a:t>2023/11/7</a:t>
             </a:fld>
             <a:endParaRPr lang="zh-TW" altLang="en-US"/>
           </a:p>
@@ -1361,7 +1361,7 @@
           <a:p>
             <a:fld id="{84109122-A27D-464C-A546-6AE6742C4A1F}" type="datetimeFigureOut">
               <a:rPr lang="zh-TW" altLang="en-US" smtClean="0"/>
-              <a:t>2023/11/6</a:t>
+              <a:t>2023/11/7</a:t>
             </a:fld>
             <a:endParaRPr lang="zh-TW" altLang="en-US"/>
           </a:p>
@@ -1612,7 +1612,7 @@
           <a:p>
             <a:fld id="{84109122-A27D-464C-A546-6AE6742C4A1F}" type="datetimeFigureOut">
               <a:rPr lang="zh-TW" altLang="en-US" smtClean="0"/>
-              <a:t>2023/11/6</a:t>
+              <a:t>2023/11/7</a:t>
             </a:fld>
             <a:endParaRPr lang="zh-TW" altLang="en-US"/>
           </a:p>
@@ -1926,7 +1926,7 @@
           <a:p>
             <a:fld id="{84109122-A27D-464C-A546-6AE6742C4A1F}" type="datetimeFigureOut">
               <a:rPr lang="zh-TW" altLang="en-US" smtClean="0"/>
-              <a:t>2023/11/6</a:t>
+              <a:t>2023/11/7</a:t>
             </a:fld>
             <a:endParaRPr lang="zh-TW" altLang="en-US"/>
           </a:p>
@@ -2267,7 +2267,7 @@
           <a:p>
             <a:fld id="{84109122-A27D-464C-A546-6AE6742C4A1F}" type="datetimeFigureOut">
               <a:rPr lang="zh-TW" altLang="en-US" smtClean="0"/>
-              <a:t>2023/11/6</a:t>
+              <a:t>2023/11/7</a:t>
             </a:fld>
             <a:endParaRPr lang="zh-TW" altLang="en-US"/>
           </a:p>
@@ -2581,7 +2581,7 @@
           <a:p>
             <a:fld id="{84109122-A27D-464C-A546-6AE6742C4A1F}" type="datetimeFigureOut">
               <a:rPr lang="zh-TW" altLang="en-US" smtClean="0"/>
-              <a:t>2023/11/6</a:t>
+              <a:t>2023/11/7</a:t>
             </a:fld>
             <a:endParaRPr lang="zh-TW" altLang="en-US"/>
           </a:p>
@@ -2974,7 +2974,7 @@
           <a:p>
             <a:fld id="{84109122-A27D-464C-A546-6AE6742C4A1F}" type="datetimeFigureOut">
               <a:rPr lang="zh-TW" altLang="en-US" smtClean="0"/>
-              <a:t>2023/11/6</a:t>
+              <a:t>2023/11/7</a:t>
             </a:fld>
             <a:endParaRPr lang="zh-TW" altLang="en-US"/>
           </a:p>
@@ -3144,7 +3144,7 @@
           <a:p>
             <a:fld id="{84109122-A27D-464C-A546-6AE6742C4A1F}" type="datetimeFigureOut">
               <a:rPr lang="zh-TW" altLang="en-US" smtClean="0"/>
-              <a:t>2023/11/6</a:t>
+              <a:t>2023/11/7</a:t>
             </a:fld>
             <a:endParaRPr lang="zh-TW" altLang="en-US"/>
           </a:p>
@@ -3324,7 +3324,7 @@
           <a:p>
             <a:fld id="{84109122-A27D-464C-A546-6AE6742C4A1F}" type="datetimeFigureOut">
               <a:rPr lang="zh-TW" altLang="en-US" smtClean="0"/>
-              <a:t>2023/11/6</a:t>
+              <a:t>2023/11/7</a:t>
             </a:fld>
             <a:endParaRPr lang="zh-TW" altLang="en-US"/>
           </a:p>
@@ -3500,7 +3500,7 @@
           <a:p>
             <a:fld id="{84109122-A27D-464C-A546-6AE6742C4A1F}" type="datetimeFigureOut">
               <a:rPr lang="zh-TW" altLang="en-US" smtClean="0"/>
-              <a:t>2023/11/6</a:t>
+              <a:t>2023/11/7</a:t>
             </a:fld>
             <a:endParaRPr lang="zh-TW" altLang="en-US"/>
           </a:p>
@@ -3747,7 +3747,7 @@
           <a:p>
             <a:fld id="{84109122-A27D-464C-A546-6AE6742C4A1F}" type="datetimeFigureOut">
               <a:rPr lang="zh-TW" altLang="en-US" smtClean="0"/>
-              <a:t>2023/11/6</a:t>
+              <a:t>2023/11/7</a:t>
             </a:fld>
             <a:endParaRPr lang="zh-TW" altLang="en-US"/>
           </a:p>
@@ -3979,7 +3979,7 @@
           <a:p>
             <a:fld id="{84109122-A27D-464C-A546-6AE6742C4A1F}" type="datetimeFigureOut">
               <a:rPr lang="zh-TW" altLang="en-US" smtClean="0"/>
-              <a:t>2023/11/6</a:t>
+              <a:t>2023/11/7</a:t>
             </a:fld>
             <a:endParaRPr lang="zh-TW" altLang="en-US"/>
           </a:p>
@@ -4353,7 +4353,7 @@
           <a:p>
             <a:fld id="{84109122-A27D-464C-A546-6AE6742C4A1F}" type="datetimeFigureOut">
               <a:rPr lang="zh-TW" altLang="en-US" smtClean="0"/>
-              <a:t>2023/11/6</a:t>
+              <a:t>2023/11/7</a:t>
             </a:fld>
             <a:endParaRPr lang="zh-TW" altLang="en-US"/>
           </a:p>
@@ -4476,7 +4476,7 @@
           <a:p>
             <a:fld id="{84109122-A27D-464C-A546-6AE6742C4A1F}" type="datetimeFigureOut">
               <a:rPr lang="zh-TW" altLang="en-US" smtClean="0"/>
-              <a:t>2023/11/6</a:t>
+              <a:t>2023/11/7</a:t>
             </a:fld>
             <a:endParaRPr lang="zh-TW" altLang="en-US"/>
           </a:p>
@@ -4571,7 +4571,7 @@
           <a:p>
             <a:fld id="{84109122-A27D-464C-A546-6AE6742C4A1F}" type="datetimeFigureOut">
               <a:rPr lang="zh-TW" altLang="en-US" smtClean="0"/>
-              <a:t>2023/11/6</a:t>
+              <a:t>2023/11/7</a:t>
             </a:fld>
             <a:endParaRPr lang="zh-TW" altLang="en-US"/>
           </a:p>
@@ -4826,7 +4826,7 @@
           <a:p>
             <a:fld id="{84109122-A27D-464C-A546-6AE6742C4A1F}" type="datetimeFigureOut">
               <a:rPr lang="zh-TW" altLang="en-US" smtClean="0"/>
-              <a:t>2023/11/6</a:t>
+              <a:t>2023/11/7</a:t>
             </a:fld>
             <a:endParaRPr lang="zh-TW" altLang="en-US"/>
           </a:p>
@@ -5089,7 +5089,7 @@
           <a:p>
             <a:fld id="{84109122-A27D-464C-A546-6AE6742C4A1F}" type="datetimeFigureOut">
               <a:rPr lang="zh-TW" altLang="en-US" smtClean="0"/>
-              <a:t>2023/11/6</a:t>
+              <a:t>2023/11/7</a:t>
             </a:fld>
             <a:endParaRPr lang="zh-TW" altLang="en-US"/>
           </a:p>
@@ -5832,7 +5832,7 @@
           <a:p>
             <a:fld id="{84109122-A27D-464C-A546-6AE6742C4A1F}" type="datetimeFigureOut">
               <a:rPr lang="zh-TW" altLang="en-US" smtClean="0"/>
-              <a:t>2023/11/6</a:t>
+              <a:t>2023/11/7</a:t>
             </a:fld>
             <a:endParaRPr lang="zh-TW" altLang="en-US"/>
           </a:p>
@@ -8026,7 +8026,7 @@
           <p:nvPr>
             <p:extLst>
               <p:ext uri="{D42A27DB-BD31-4B8C-83A1-F6EECF244321}">
-                <p14:modId xmlns:p14="http://schemas.microsoft.com/office/powerpoint/2010/main" val="1496459796"/>
+                <p14:modId xmlns:p14="http://schemas.microsoft.com/office/powerpoint/2010/main" val="967794355"/>
               </p:ext>
             </p:extLst>
           </p:nvPr>
@@ -8049,17 +8049,17 @@
                     </a:ext>
                   </a:extLst>
                 </a:gridCol>
-                <a:gridCol w="2668614">
+                <a:gridCol w="2819445">
                   <a:extLst>
                     <a:ext uri="{9D8B030D-6E8A-4147-A177-3AD203B41FA5}">
                       <a16:colId xmlns:a16="http://schemas.microsoft.com/office/drawing/2014/main" val="3908523512"/>
                     </a:ext>
                   </a:extLst>
                 </a:gridCol>
-                <a:gridCol w="3429000">
+                <a:gridCol w="3278169">
                   <a:extLst>
                     <a:ext uri="{9D8B030D-6E8A-4147-A177-3AD203B41FA5}">
-                      <a16:colId xmlns:a16="http://schemas.microsoft.com/office/drawing/2014/main" val="2890538261"/>
+                      <a16:colId xmlns:a16="http://schemas.microsoft.com/office/drawing/2014/main" val="3118159014"/>
                     </a:ext>
                   </a:extLst>
                 </a:gridCol>
@@ -8468,7 +8468,7 @@
                       <a:pPr algn="l"/>
                       <a:r>
                         <a:rPr lang="zh-TW" altLang="en-US" sz="1400" dirty="0"/>
-                        <a:t>實體方法、類別方法</a:t>
+                        <a:t>實體方法、靜態方法、類別方法</a:t>
                       </a:r>
                     </a:p>
                   </a:txBody>
@@ -8481,13 +8481,18 @@
                     <a:p>
                       <a:pPr algn="l"/>
                       <a:r>
-                        <a:rPr lang="zh-TW" altLang="en-US" sz="1400" dirty="0">
+                        <a:rPr lang="zh-TW" altLang="en-US" sz="1400">
                           <a:solidFill>
                             <a:schemeClr val="tx1"/>
                           </a:solidFill>
                         </a:rPr>
                         <a:t>實體方法、靜態方法、抽象方法</a:t>
                       </a:r>
+                      <a:endParaRPr lang="zh-TW" altLang="en-US" sz="1400" dirty="0">
+                        <a:solidFill>
+                          <a:schemeClr val="tx1"/>
+                        </a:solidFill>
+                      </a:endParaRPr>
                     </a:p>
                   </a:txBody>
                   <a:tcPr anchor="ctr"/>

--- a/Java 相關/Java 繼承與實作簡介.pptx
+++ b/Java 相關/Java 繼承與實作簡介.pptx
@@ -204,7 +204,7 @@
           <a:p>
             <a:fld id="{AA838E8B-4C97-4B7F-866D-E74DAB80B58C}" type="datetimeFigureOut">
               <a:rPr lang="zh-TW" altLang="en-US" smtClean="0"/>
-              <a:t>2023/11/6</a:t>
+              <a:t>2023/11/7</a:t>
             </a:fld>
             <a:endParaRPr lang="zh-TW" altLang="en-US"/>
           </a:p>
@@ -1361,7 +1361,7 @@
           <a:p>
             <a:fld id="{84109122-A27D-464C-A546-6AE6742C4A1F}" type="datetimeFigureOut">
               <a:rPr lang="zh-TW" altLang="en-US" smtClean="0"/>
-              <a:t>2023/11/6</a:t>
+              <a:t>2023/11/7</a:t>
             </a:fld>
             <a:endParaRPr lang="zh-TW" altLang="en-US"/>
           </a:p>
@@ -1612,7 +1612,7 @@
           <a:p>
             <a:fld id="{84109122-A27D-464C-A546-6AE6742C4A1F}" type="datetimeFigureOut">
               <a:rPr lang="zh-TW" altLang="en-US" smtClean="0"/>
-              <a:t>2023/11/6</a:t>
+              <a:t>2023/11/7</a:t>
             </a:fld>
             <a:endParaRPr lang="zh-TW" altLang="en-US"/>
           </a:p>
@@ -1926,7 +1926,7 @@
           <a:p>
             <a:fld id="{84109122-A27D-464C-A546-6AE6742C4A1F}" type="datetimeFigureOut">
               <a:rPr lang="zh-TW" altLang="en-US" smtClean="0"/>
-              <a:t>2023/11/6</a:t>
+              <a:t>2023/11/7</a:t>
             </a:fld>
             <a:endParaRPr lang="zh-TW" altLang="en-US"/>
           </a:p>
@@ -2267,7 +2267,7 @@
           <a:p>
             <a:fld id="{84109122-A27D-464C-A546-6AE6742C4A1F}" type="datetimeFigureOut">
               <a:rPr lang="zh-TW" altLang="en-US" smtClean="0"/>
-              <a:t>2023/11/6</a:t>
+              <a:t>2023/11/7</a:t>
             </a:fld>
             <a:endParaRPr lang="zh-TW" altLang="en-US"/>
           </a:p>
@@ -2581,7 +2581,7 @@
           <a:p>
             <a:fld id="{84109122-A27D-464C-A546-6AE6742C4A1F}" type="datetimeFigureOut">
               <a:rPr lang="zh-TW" altLang="en-US" smtClean="0"/>
-              <a:t>2023/11/6</a:t>
+              <a:t>2023/11/7</a:t>
             </a:fld>
             <a:endParaRPr lang="zh-TW" altLang="en-US"/>
           </a:p>
@@ -2974,7 +2974,7 @@
           <a:p>
             <a:fld id="{84109122-A27D-464C-A546-6AE6742C4A1F}" type="datetimeFigureOut">
               <a:rPr lang="zh-TW" altLang="en-US" smtClean="0"/>
-              <a:t>2023/11/6</a:t>
+              <a:t>2023/11/7</a:t>
             </a:fld>
             <a:endParaRPr lang="zh-TW" altLang="en-US"/>
           </a:p>
@@ -3144,7 +3144,7 @@
           <a:p>
             <a:fld id="{84109122-A27D-464C-A546-6AE6742C4A1F}" type="datetimeFigureOut">
               <a:rPr lang="zh-TW" altLang="en-US" smtClean="0"/>
-              <a:t>2023/11/6</a:t>
+              <a:t>2023/11/7</a:t>
             </a:fld>
             <a:endParaRPr lang="zh-TW" altLang="en-US"/>
           </a:p>
@@ -3324,7 +3324,7 @@
           <a:p>
             <a:fld id="{84109122-A27D-464C-A546-6AE6742C4A1F}" type="datetimeFigureOut">
               <a:rPr lang="zh-TW" altLang="en-US" smtClean="0"/>
-              <a:t>2023/11/6</a:t>
+              <a:t>2023/11/7</a:t>
             </a:fld>
             <a:endParaRPr lang="zh-TW" altLang="en-US"/>
           </a:p>
@@ -3500,7 +3500,7 @@
           <a:p>
             <a:fld id="{84109122-A27D-464C-A546-6AE6742C4A1F}" type="datetimeFigureOut">
               <a:rPr lang="zh-TW" altLang="en-US" smtClean="0"/>
-              <a:t>2023/11/6</a:t>
+              <a:t>2023/11/7</a:t>
             </a:fld>
             <a:endParaRPr lang="zh-TW" altLang="en-US"/>
           </a:p>
@@ -3747,7 +3747,7 @@
           <a:p>
             <a:fld id="{84109122-A27D-464C-A546-6AE6742C4A1F}" type="datetimeFigureOut">
               <a:rPr lang="zh-TW" altLang="en-US" smtClean="0"/>
-              <a:t>2023/11/6</a:t>
+              <a:t>2023/11/7</a:t>
             </a:fld>
             <a:endParaRPr lang="zh-TW" altLang="en-US"/>
           </a:p>
@@ -3979,7 +3979,7 @@
           <a:p>
             <a:fld id="{84109122-A27D-464C-A546-6AE6742C4A1F}" type="datetimeFigureOut">
               <a:rPr lang="zh-TW" altLang="en-US" smtClean="0"/>
-              <a:t>2023/11/6</a:t>
+              <a:t>2023/11/7</a:t>
             </a:fld>
             <a:endParaRPr lang="zh-TW" altLang="en-US"/>
           </a:p>
@@ -4353,7 +4353,7 @@
           <a:p>
             <a:fld id="{84109122-A27D-464C-A546-6AE6742C4A1F}" type="datetimeFigureOut">
               <a:rPr lang="zh-TW" altLang="en-US" smtClean="0"/>
-              <a:t>2023/11/6</a:t>
+              <a:t>2023/11/7</a:t>
             </a:fld>
             <a:endParaRPr lang="zh-TW" altLang="en-US"/>
           </a:p>
@@ -4476,7 +4476,7 @@
           <a:p>
             <a:fld id="{84109122-A27D-464C-A546-6AE6742C4A1F}" type="datetimeFigureOut">
               <a:rPr lang="zh-TW" altLang="en-US" smtClean="0"/>
-              <a:t>2023/11/6</a:t>
+              <a:t>2023/11/7</a:t>
             </a:fld>
             <a:endParaRPr lang="zh-TW" altLang="en-US"/>
           </a:p>
@@ -4571,7 +4571,7 @@
           <a:p>
             <a:fld id="{84109122-A27D-464C-A546-6AE6742C4A1F}" type="datetimeFigureOut">
               <a:rPr lang="zh-TW" altLang="en-US" smtClean="0"/>
-              <a:t>2023/11/6</a:t>
+              <a:t>2023/11/7</a:t>
             </a:fld>
             <a:endParaRPr lang="zh-TW" altLang="en-US"/>
           </a:p>
@@ -4826,7 +4826,7 @@
           <a:p>
             <a:fld id="{84109122-A27D-464C-A546-6AE6742C4A1F}" type="datetimeFigureOut">
               <a:rPr lang="zh-TW" altLang="en-US" smtClean="0"/>
-              <a:t>2023/11/6</a:t>
+              <a:t>2023/11/7</a:t>
             </a:fld>
             <a:endParaRPr lang="zh-TW" altLang="en-US"/>
           </a:p>
@@ -5089,7 +5089,7 @@
           <a:p>
             <a:fld id="{84109122-A27D-464C-A546-6AE6742C4A1F}" type="datetimeFigureOut">
               <a:rPr lang="zh-TW" altLang="en-US" smtClean="0"/>
-              <a:t>2023/11/6</a:t>
+              <a:t>2023/11/7</a:t>
             </a:fld>
             <a:endParaRPr lang="zh-TW" altLang="en-US"/>
           </a:p>
@@ -5832,7 +5832,7 @@
           <a:p>
             <a:fld id="{84109122-A27D-464C-A546-6AE6742C4A1F}" type="datetimeFigureOut">
               <a:rPr lang="zh-TW" altLang="en-US" smtClean="0"/>
-              <a:t>2023/11/6</a:t>
+              <a:t>2023/11/7</a:t>
             </a:fld>
             <a:endParaRPr lang="zh-TW" altLang="en-US"/>
           </a:p>
@@ -10902,7 +10902,7 @@
           <p:nvPr>
             <p:extLst>
               <p:ext uri="{D42A27DB-BD31-4B8C-83A1-F6EECF244321}">
-                <p14:modId xmlns:p14="http://schemas.microsoft.com/office/powerpoint/2010/main" val="1512217558"/>
+                <p14:modId xmlns:p14="http://schemas.microsoft.com/office/powerpoint/2010/main" val="3394020599"/>
               </p:ext>
             </p:extLst>
           </p:nvPr>
@@ -11210,10 +11210,18 @@
                         <a:defRPr/>
                       </a:pPr>
                       <a:r>
-                        <a:rPr lang="zh-TW" altLang="en-US" sz="1400" dirty="0"/>
+                        <a:rPr lang="zh-TW" altLang="en-US" sz="1400" b="1" dirty="0">
+                          <a:solidFill>
+                            <a:srgbClr val="002060"/>
+                          </a:solidFill>
+                        </a:rPr>
                         <a:t>實體方法可選改寫</a:t>
                       </a:r>
-                      <a:endParaRPr lang="en-US" altLang="zh-TW" sz="1400" dirty="0"/>
+                      <a:endParaRPr lang="en-US" altLang="zh-TW" sz="1400" b="1" dirty="0">
+                        <a:solidFill>
+                          <a:srgbClr val="002060"/>
+                        </a:solidFill>
+                      </a:endParaRPr>
                     </a:p>
                     <a:p>
                       <a:pPr algn="ctr"/>

--- a/Java 相關/Java 繼承與實作簡介.pptx
+++ b/Java 相關/Java 繼承與實作簡介.pptx
@@ -8026,7 +8026,7 @@
           <p:nvPr>
             <p:extLst>
               <p:ext uri="{D42A27DB-BD31-4B8C-83A1-F6EECF244321}">
-                <p14:modId xmlns:p14="http://schemas.microsoft.com/office/powerpoint/2010/main" val="967794355"/>
+                <p14:modId xmlns:p14="http://schemas.microsoft.com/office/powerpoint/2010/main" val="341079813"/>
               </p:ext>
             </p:extLst>
           </p:nvPr>
